--- a/documentation/presentation.pptx
+++ b/documentation/presentation.pptx
@@ -108,6 +108,11 @@
       </a:defRPr>
     </a:lvl9pPr>
   </p:defaultTextStyle>
+  <p:extLst>
+    <p:ext uri="{EFAFB233-063F-42B5-8137-9DF3F51BA10A}">
+      <p15:sldGuideLst xmlns:p15="http://schemas.microsoft.com/office/powerpoint/2012/main"/>
+    </p:ext>
+  </p:extLst>
 </p:presentation>
 </file>
 
@@ -689,7 +694,7 @@
           </a:lstStyle>
           <a:p>
             <a:r>
-              <a:rPr lang="en-US" smtClean="0"/>
+              <a:rPr lang="en-US"/>
               <a:t>Click to edit Master title style</a:t>
             </a:r>
             <a:endParaRPr lang="en-US" dirty="0"/>
@@ -809,7 +814,7 @@
           </a:lstStyle>
           <a:p>
             <a:r>
-              <a:rPr lang="en-US" smtClean="0"/>
+              <a:rPr lang="en-US"/>
               <a:t>Click to edit Master subtitle style</a:t>
             </a:r>
             <a:endParaRPr lang="en-US" dirty="0"/>
@@ -833,7 +838,7 @@
           <a:p>
             <a:fld id="{F8AB857C-D771-4CE8-B8F4-D5103B1099A4}" type="datetimeFigureOut">
               <a:rPr lang="bg-BG" smtClean="0"/>
-              <a:t>11.5.2025 г.</a:t>
+              <a:t>12.5.2025 г.</a:t>
             </a:fld>
             <a:endParaRPr lang="bg-BG"/>
           </a:p>
@@ -938,7 +943,7 @@
           </a:lstStyle>
           <a:p>
             <a:r>
-              <a:rPr lang="en-US" smtClean="0"/>
+              <a:rPr lang="en-US"/>
               <a:t>Click to edit Master title style</a:t>
             </a:r>
             <a:endParaRPr lang="en-US" dirty="0"/>
@@ -1061,7 +1066,7 @@
           <a:p>
             <a:pPr lvl="0"/>
             <a:r>
-              <a:rPr lang="en-US" smtClean="0"/>
+              <a:rPr lang="en-US"/>
               <a:t>Edit Master text styles</a:t>
             </a:r>
           </a:p>
@@ -1084,7 +1089,7 @@
           <a:p>
             <a:fld id="{F8AB857C-D771-4CE8-B8F4-D5103B1099A4}" type="datetimeFigureOut">
               <a:rPr lang="bg-BG" smtClean="0"/>
-              <a:t>11.5.2025 г.</a:t>
+              <a:t>12.5.2025 г.</a:t>
             </a:fld>
             <a:endParaRPr lang="bg-BG"/>
           </a:p>
@@ -1189,7 +1194,7 @@
           </a:lstStyle>
           <a:p>
             <a:r>
-              <a:rPr lang="en-US" smtClean="0"/>
+              <a:rPr lang="en-US"/>
               <a:t>Click to edit Master title style</a:t>
             </a:r>
             <a:endParaRPr lang="en-US" dirty="0"/>
@@ -1253,7 +1258,7 @@
           <a:p>
             <a:pPr lvl="0"/>
             <a:r>
-              <a:rPr lang="en-US" smtClean="0"/>
+              <a:rPr lang="en-US"/>
               <a:t>Edit Master text styles</a:t>
             </a:r>
           </a:p>
@@ -1375,7 +1380,7 @@
           <a:p>
             <a:pPr lvl="0"/>
             <a:r>
-              <a:rPr lang="en-US" smtClean="0"/>
+              <a:rPr lang="en-US"/>
               <a:t>Edit Master text styles</a:t>
             </a:r>
           </a:p>
@@ -1398,7 +1403,7 @@
           <a:p>
             <a:fld id="{F8AB857C-D771-4CE8-B8F4-D5103B1099A4}" type="datetimeFigureOut">
               <a:rPr lang="bg-BG" smtClean="0"/>
-              <a:t>11.5.2025 г.</a:t>
+              <a:t>12.5.2025 г.</a:t>
             </a:fld>
             <a:endParaRPr lang="bg-BG"/>
           </a:p>
@@ -1593,7 +1598,7 @@
           </a:lstStyle>
           <a:p>
             <a:r>
-              <a:rPr lang="en-US" smtClean="0"/>
+              <a:rPr lang="en-US"/>
               <a:t>Click to edit Master title style</a:t>
             </a:r>
             <a:endParaRPr lang="en-US" dirty="0"/>
@@ -1716,7 +1721,7 @@
           <a:p>
             <a:pPr lvl="0"/>
             <a:r>
-              <a:rPr lang="en-US" smtClean="0"/>
+              <a:rPr lang="en-US"/>
               <a:t>Edit Master text styles</a:t>
             </a:r>
           </a:p>
@@ -1739,7 +1744,7 @@
           <a:p>
             <a:fld id="{F8AB857C-D771-4CE8-B8F4-D5103B1099A4}" type="datetimeFigureOut">
               <a:rPr lang="bg-BG" smtClean="0"/>
-              <a:t>11.5.2025 г.</a:t>
+              <a:t>12.5.2025 г.</a:t>
             </a:fld>
             <a:endParaRPr lang="bg-BG"/>
           </a:p>
@@ -1844,7 +1849,7 @@
           </a:lstStyle>
           <a:p>
             <a:r>
-              <a:rPr lang="en-US" smtClean="0"/>
+              <a:rPr lang="en-US"/>
               <a:t>Click to edit Master title style</a:t>
             </a:r>
             <a:endParaRPr lang="en-US" dirty="0"/>
@@ -1908,7 +1913,7 @@
           <a:p>
             <a:pPr lvl="0"/>
             <a:r>
-              <a:rPr lang="en-US" smtClean="0"/>
+              <a:rPr lang="en-US"/>
               <a:t>Edit Master text styles</a:t>
             </a:r>
           </a:p>
@@ -2030,7 +2035,7 @@
           <a:p>
             <a:pPr lvl="0"/>
             <a:r>
-              <a:rPr lang="en-US" smtClean="0"/>
+              <a:rPr lang="en-US"/>
               <a:t>Edit Master text styles</a:t>
             </a:r>
           </a:p>
@@ -2053,7 +2058,7 @@
           <a:p>
             <a:fld id="{F8AB857C-D771-4CE8-B8F4-D5103B1099A4}" type="datetimeFigureOut">
               <a:rPr lang="bg-BG" smtClean="0"/>
-              <a:t>11.5.2025 г.</a:t>
+              <a:t>12.5.2025 г.</a:t>
             </a:fld>
             <a:endParaRPr lang="bg-BG"/>
           </a:p>
@@ -2240,7 +2245,7 @@
           </a:lstStyle>
           <a:p>
             <a:r>
-              <a:rPr lang="en-US" smtClean="0"/>
+              <a:rPr lang="en-US"/>
               <a:t>Click to edit Master title style</a:t>
             </a:r>
             <a:endParaRPr lang="en-US" dirty="0"/>
@@ -2301,7 +2306,7 @@
           <a:p>
             <a:pPr lvl="0"/>
             <a:r>
-              <a:rPr lang="en-US" smtClean="0"/>
+              <a:rPr lang="en-US"/>
               <a:t>Edit Master text styles</a:t>
             </a:r>
           </a:p>
@@ -2423,7 +2428,7 @@
           <a:p>
             <a:pPr lvl="0"/>
             <a:r>
-              <a:rPr lang="en-US" smtClean="0"/>
+              <a:rPr lang="en-US"/>
               <a:t>Edit Master text styles</a:t>
             </a:r>
           </a:p>
@@ -2446,7 +2451,7 @@
           <a:p>
             <a:fld id="{F8AB857C-D771-4CE8-B8F4-D5103B1099A4}" type="datetimeFigureOut">
               <a:rPr lang="bg-BG" smtClean="0"/>
-              <a:t>11.5.2025 г.</a:t>
+              <a:t>12.5.2025 г.</a:t>
             </a:fld>
             <a:endParaRPr lang="bg-BG"/>
           </a:p>
@@ -2540,7 +2545,7 @@
           <a:lstStyle/>
           <a:p>
             <a:r>
-              <a:rPr lang="en-US" smtClean="0"/>
+              <a:rPr lang="en-US"/>
               <a:t>Click to edit Master title style</a:t>
             </a:r>
             <a:endParaRPr lang="en-US" dirty="0"/>
@@ -2564,35 +2569,35 @@
           <a:p>
             <a:pPr lvl="0"/>
             <a:r>
-              <a:rPr lang="en-US" smtClean="0"/>
+              <a:rPr lang="en-US"/>
               <a:t>Edit Master text styles</a:t>
             </a:r>
           </a:p>
           <a:p>
             <a:pPr lvl="1"/>
             <a:r>
-              <a:rPr lang="en-US" smtClean="0"/>
+              <a:rPr lang="en-US"/>
               <a:t>Second level</a:t>
             </a:r>
           </a:p>
           <a:p>
             <a:pPr lvl="2"/>
             <a:r>
-              <a:rPr lang="en-US" smtClean="0"/>
+              <a:rPr lang="en-US"/>
               <a:t>Third level</a:t>
             </a:r>
           </a:p>
           <a:p>
             <a:pPr lvl="3"/>
             <a:r>
-              <a:rPr lang="en-US" smtClean="0"/>
+              <a:rPr lang="en-US"/>
               <a:t>Fourth level</a:t>
             </a:r>
           </a:p>
           <a:p>
             <a:pPr lvl="4"/>
             <a:r>
-              <a:rPr lang="en-US" smtClean="0"/>
+              <a:rPr lang="en-US"/>
               <a:t>Fifth level</a:t>
             </a:r>
             <a:endParaRPr lang="en-US" dirty="0"/>
@@ -2616,7 +2621,7 @@
           <a:p>
             <a:fld id="{F8AB857C-D771-4CE8-B8F4-D5103B1099A4}" type="datetimeFigureOut">
               <a:rPr lang="bg-BG" smtClean="0"/>
-              <a:t>11.5.2025 г.</a:t>
+              <a:t>12.5.2025 г.</a:t>
             </a:fld>
             <a:endParaRPr lang="bg-BG"/>
           </a:p>
@@ -2715,7 +2720,7 @@
           <a:lstStyle/>
           <a:p>
             <a:r>
-              <a:rPr lang="en-US" smtClean="0"/>
+              <a:rPr lang="en-US"/>
               <a:t>Click to edit Master title style</a:t>
             </a:r>
             <a:endParaRPr lang="en-US" dirty="0"/>
@@ -2744,35 +2749,35 @@
           <a:p>
             <a:pPr lvl="0"/>
             <a:r>
-              <a:rPr lang="en-US" smtClean="0"/>
+              <a:rPr lang="en-US"/>
               <a:t>Edit Master text styles</a:t>
             </a:r>
           </a:p>
           <a:p>
             <a:pPr lvl="1"/>
             <a:r>
-              <a:rPr lang="en-US" smtClean="0"/>
+              <a:rPr lang="en-US"/>
               <a:t>Second level</a:t>
             </a:r>
           </a:p>
           <a:p>
             <a:pPr lvl="2"/>
             <a:r>
-              <a:rPr lang="en-US" smtClean="0"/>
+              <a:rPr lang="en-US"/>
               <a:t>Third level</a:t>
             </a:r>
           </a:p>
           <a:p>
             <a:pPr lvl="3"/>
             <a:r>
-              <a:rPr lang="en-US" smtClean="0"/>
+              <a:rPr lang="en-US"/>
               <a:t>Fourth level</a:t>
             </a:r>
           </a:p>
           <a:p>
             <a:pPr lvl="4"/>
             <a:r>
-              <a:rPr lang="en-US" smtClean="0"/>
+              <a:rPr lang="en-US"/>
               <a:t>Fifth level</a:t>
             </a:r>
             <a:endParaRPr lang="en-US" dirty="0"/>
@@ -2796,7 +2801,7 @@
           <a:p>
             <a:fld id="{F8AB857C-D771-4CE8-B8F4-D5103B1099A4}" type="datetimeFigureOut">
               <a:rPr lang="bg-BG" smtClean="0"/>
-              <a:t>11.5.2025 г.</a:t>
+              <a:t>12.5.2025 г.</a:t>
             </a:fld>
             <a:endParaRPr lang="bg-BG"/>
           </a:p>
@@ -2896,7 +2901,7 @@
           </a:lstStyle>
           <a:p>
             <a:r>
-              <a:rPr lang="en-US" smtClean="0"/>
+              <a:rPr lang="en-US"/>
               <a:t>Click to edit Master title style</a:t>
             </a:r>
             <a:endParaRPr lang="en-US" dirty="0"/>
@@ -2920,35 +2925,35 @@
           <a:p>
             <a:pPr lvl="0"/>
             <a:r>
-              <a:rPr lang="en-US" smtClean="0"/>
+              <a:rPr lang="en-US"/>
               <a:t>Edit Master text styles</a:t>
             </a:r>
           </a:p>
           <a:p>
             <a:pPr lvl="1"/>
             <a:r>
-              <a:rPr lang="en-US" smtClean="0"/>
+              <a:rPr lang="en-US"/>
               <a:t>Second level</a:t>
             </a:r>
           </a:p>
           <a:p>
             <a:pPr lvl="2"/>
             <a:r>
-              <a:rPr lang="en-US" smtClean="0"/>
+              <a:rPr lang="en-US"/>
               <a:t>Third level</a:t>
             </a:r>
           </a:p>
           <a:p>
             <a:pPr lvl="3"/>
             <a:r>
-              <a:rPr lang="en-US" smtClean="0"/>
+              <a:rPr lang="en-US"/>
               <a:t>Fourth level</a:t>
             </a:r>
           </a:p>
           <a:p>
             <a:pPr lvl="4"/>
             <a:r>
-              <a:rPr lang="en-US" smtClean="0"/>
+              <a:rPr lang="en-US"/>
               <a:t>Fifth level</a:t>
             </a:r>
             <a:endParaRPr lang="en-US" dirty="0"/>
@@ -2972,7 +2977,7 @@
           <a:p>
             <a:fld id="{F8AB857C-D771-4CE8-B8F4-D5103B1099A4}" type="datetimeFigureOut">
               <a:rPr lang="bg-BG" smtClean="0"/>
-              <a:t>11.5.2025 г.</a:t>
+              <a:t>12.5.2025 г.</a:t>
             </a:fld>
             <a:endParaRPr lang="bg-BG"/>
           </a:p>
@@ -3075,7 +3080,7 @@
           </a:lstStyle>
           <a:p>
             <a:r>
-              <a:rPr lang="en-US" smtClean="0"/>
+              <a:rPr lang="en-US"/>
               <a:t>Click to edit Master title style</a:t>
             </a:r>
             <a:endParaRPr lang="en-US" dirty="0"/>
@@ -3196,7 +3201,7 @@
           <a:p>
             <a:pPr lvl="0"/>
             <a:r>
-              <a:rPr lang="en-US" smtClean="0"/>
+              <a:rPr lang="en-US"/>
               <a:t>Edit Master text styles</a:t>
             </a:r>
           </a:p>
@@ -3219,7 +3224,7 @@
           <a:p>
             <a:fld id="{F8AB857C-D771-4CE8-B8F4-D5103B1099A4}" type="datetimeFigureOut">
               <a:rPr lang="bg-BG" smtClean="0"/>
-              <a:t>11.5.2025 г.</a:t>
+              <a:t>12.5.2025 г.</a:t>
             </a:fld>
             <a:endParaRPr lang="bg-BG"/>
           </a:p>
@@ -3313,7 +3318,7 @@
           <a:lstStyle/>
           <a:p>
             <a:r>
-              <a:rPr lang="en-US" smtClean="0"/>
+              <a:rPr lang="en-US"/>
               <a:t>Click to edit Master title style</a:t>
             </a:r>
             <a:endParaRPr lang="en-US" dirty="0"/>
@@ -3342,35 +3347,35 @@
           <a:p>
             <a:pPr lvl="0"/>
             <a:r>
-              <a:rPr lang="en-US" smtClean="0"/>
+              <a:rPr lang="en-US"/>
               <a:t>Edit Master text styles</a:t>
             </a:r>
           </a:p>
           <a:p>
             <a:pPr lvl="1"/>
             <a:r>
-              <a:rPr lang="en-US" smtClean="0"/>
+              <a:rPr lang="en-US"/>
               <a:t>Second level</a:t>
             </a:r>
           </a:p>
           <a:p>
             <a:pPr lvl="2"/>
             <a:r>
-              <a:rPr lang="en-US" smtClean="0"/>
+              <a:rPr lang="en-US"/>
               <a:t>Third level</a:t>
             </a:r>
           </a:p>
           <a:p>
             <a:pPr lvl="3"/>
             <a:r>
-              <a:rPr lang="en-US" smtClean="0"/>
+              <a:rPr lang="en-US"/>
               <a:t>Fourth level</a:t>
             </a:r>
           </a:p>
           <a:p>
             <a:pPr lvl="4"/>
             <a:r>
-              <a:rPr lang="en-US" smtClean="0"/>
+              <a:rPr lang="en-US"/>
               <a:t>Fifth level</a:t>
             </a:r>
             <a:endParaRPr lang="en-US" dirty="0"/>
@@ -3399,35 +3404,35 @@
           <a:p>
             <a:pPr lvl="0"/>
             <a:r>
-              <a:rPr lang="en-US" smtClean="0"/>
+              <a:rPr lang="en-US"/>
               <a:t>Edit Master text styles</a:t>
             </a:r>
           </a:p>
           <a:p>
             <a:pPr lvl="1"/>
             <a:r>
-              <a:rPr lang="en-US" smtClean="0"/>
+              <a:rPr lang="en-US"/>
               <a:t>Second level</a:t>
             </a:r>
           </a:p>
           <a:p>
             <a:pPr lvl="2"/>
             <a:r>
-              <a:rPr lang="en-US" smtClean="0"/>
+              <a:rPr lang="en-US"/>
               <a:t>Third level</a:t>
             </a:r>
           </a:p>
           <a:p>
             <a:pPr lvl="3"/>
             <a:r>
-              <a:rPr lang="en-US" smtClean="0"/>
+              <a:rPr lang="en-US"/>
               <a:t>Fourth level</a:t>
             </a:r>
           </a:p>
           <a:p>
             <a:pPr lvl="4"/>
             <a:r>
-              <a:rPr lang="en-US" smtClean="0"/>
+              <a:rPr lang="en-US"/>
               <a:t>Fifth level</a:t>
             </a:r>
             <a:endParaRPr lang="en-US" dirty="0"/>
@@ -3451,7 +3456,7 @@
           <a:p>
             <a:fld id="{F8AB857C-D771-4CE8-B8F4-D5103B1099A4}" type="datetimeFigureOut">
               <a:rPr lang="bg-BG" smtClean="0"/>
-              <a:t>11.5.2025 г.</a:t>
+              <a:t>12.5.2025 г.</a:t>
             </a:fld>
             <a:endParaRPr lang="bg-BG"/>
           </a:p>
@@ -3549,7 +3554,7 @@
           </a:lstStyle>
           <a:p>
             <a:r>
-              <a:rPr lang="en-US" smtClean="0"/>
+              <a:rPr lang="en-US"/>
               <a:t>Click to edit Master title style</a:t>
             </a:r>
             <a:endParaRPr lang="en-US" dirty="0"/>
@@ -3617,7 +3622,7 @@
           <a:p>
             <a:pPr lvl="0"/>
             <a:r>
-              <a:rPr lang="en-US" smtClean="0"/>
+              <a:rPr lang="en-US"/>
               <a:t>Edit Master text styles</a:t>
             </a:r>
           </a:p>
@@ -3647,35 +3652,35 @@
           <a:p>
             <a:pPr lvl="0"/>
             <a:r>
-              <a:rPr lang="en-US" smtClean="0"/>
+              <a:rPr lang="en-US"/>
               <a:t>Edit Master text styles</a:t>
             </a:r>
           </a:p>
           <a:p>
             <a:pPr lvl="1"/>
             <a:r>
-              <a:rPr lang="en-US" smtClean="0"/>
+              <a:rPr lang="en-US"/>
               <a:t>Second level</a:t>
             </a:r>
           </a:p>
           <a:p>
             <a:pPr lvl="2"/>
             <a:r>
-              <a:rPr lang="en-US" smtClean="0"/>
+              <a:rPr lang="en-US"/>
               <a:t>Third level</a:t>
             </a:r>
           </a:p>
           <a:p>
             <a:pPr lvl="3"/>
             <a:r>
-              <a:rPr lang="en-US" smtClean="0"/>
+              <a:rPr lang="en-US"/>
               <a:t>Fourth level</a:t>
             </a:r>
           </a:p>
           <a:p>
             <a:pPr lvl="4"/>
             <a:r>
-              <a:rPr lang="en-US" smtClean="0"/>
+              <a:rPr lang="en-US"/>
               <a:t>Fifth level</a:t>
             </a:r>
             <a:endParaRPr lang="en-US" dirty="0"/>
@@ -3743,7 +3748,7 @@
           <a:p>
             <a:pPr lvl="0"/>
             <a:r>
-              <a:rPr lang="en-US" smtClean="0"/>
+              <a:rPr lang="en-US"/>
               <a:t>Edit Master text styles</a:t>
             </a:r>
           </a:p>
@@ -3773,35 +3778,35 @@
           <a:p>
             <a:pPr lvl="0"/>
             <a:r>
-              <a:rPr lang="en-US" smtClean="0"/>
+              <a:rPr lang="en-US"/>
               <a:t>Edit Master text styles</a:t>
             </a:r>
           </a:p>
           <a:p>
             <a:pPr lvl="1"/>
             <a:r>
-              <a:rPr lang="en-US" smtClean="0"/>
+              <a:rPr lang="en-US"/>
               <a:t>Second level</a:t>
             </a:r>
           </a:p>
           <a:p>
             <a:pPr lvl="2"/>
             <a:r>
-              <a:rPr lang="en-US" smtClean="0"/>
+              <a:rPr lang="en-US"/>
               <a:t>Third level</a:t>
             </a:r>
           </a:p>
           <a:p>
             <a:pPr lvl="3"/>
             <a:r>
-              <a:rPr lang="en-US" smtClean="0"/>
+              <a:rPr lang="en-US"/>
               <a:t>Fourth level</a:t>
             </a:r>
           </a:p>
           <a:p>
             <a:pPr lvl="4"/>
             <a:r>
-              <a:rPr lang="en-US" smtClean="0"/>
+              <a:rPr lang="en-US"/>
               <a:t>Fifth level</a:t>
             </a:r>
             <a:endParaRPr lang="en-US" dirty="0"/>
@@ -3825,7 +3830,7 @@
           <a:p>
             <a:fld id="{F8AB857C-D771-4CE8-B8F4-D5103B1099A4}" type="datetimeFigureOut">
               <a:rPr lang="bg-BG" smtClean="0"/>
-              <a:t>11.5.2025 г.</a:t>
+              <a:t>12.5.2025 г.</a:t>
             </a:fld>
             <a:endParaRPr lang="bg-BG"/>
           </a:p>
@@ -3924,7 +3929,7 @@
           <a:lstStyle/>
           <a:p>
             <a:r>
-              <a:rPr lang="en-US" smtClean="0"/>
+              <a:rPr lang="en-US"/>
               <a:t>Click to edit Master title style</a:t>
             </a:r>
             <a:endParaRPr lang="en-US" dirty="0"/>
@@ -3948,7 +3953,7 @@
           <a:p>
             <a:fld id="{F8AB857C-D771-4CE8-B8F4-D5103B1099A4}" type="datetimeFigureOut">
               <a:rPr lang="bg-BG" smtClean="0"/>
-              <a:t>11.5.2025 г.</a:t>
+              <a:t>12.5.2025 г.</a:t>
             </a:fld>
             <a:endParaRPr lang="bg-BG"/>
           </a:p>
@@ -4043,7 +4048,7 @@
           <a:p>
             <a:fld id="{F8AB857C-D771-4CE8-B8F4-D5103B1099A4}" type="datetimeFigureOut">
               <a:rPr lang="bg-BG" smtClean="0"/>
-              <a:t>11.5.2025 г.</a:t>
+              <a:t>12.5.2025 г.</a:t>
             </a:fld>
             <a:endParaRPr lang="bg-BG"/>
           </a:p>
@@ -4148,7 +4153,7 @@
           </a:lstStyle>
           <a:p>
             <a:r>
-              <a:rPr lang="en-US" smtClean="0"/>
+              <a:rPr lang="en-US"/>
               <a:t>Click to edit Master title style</a:t>
             </a:r>
             <a:endParaRPr lang="en-US" dirty="0"/>
@@ -4179,35 +4184,35 @@
           <a:p>
             <a:pPr lvl="0"/>
             <a:r>
-              <a:rPr lang="en-US" smtClean="0"/>
+              <a:rPr lang="en-US"/>
               <a:t>Edit Master text styles</a:t>
             </a:r>
           </a:p>
           <a:p>
             <a:pPr lvl="1"/>
             <a:r>
-              <a:rPr lang="en-US" smtClean="0"/>
+              <a:rPr lang="en-US"/>
               <a:t>Second level</a:t>
             </a:r>
           </a:p>
           <a:p>
             <a:pPr lvl="2"/>
             <a:r>
-              <a:rPr lang="en-US" smtClean="0"/>
+              <a:rPr lang="en-US"/>
               <a:t>Third level</a:t>
             </a:r>
           </a:p>
           <a:p>
             <a:pPr lvl="3"/>
             <a:r>
-              <a:rPr lang="en-US" smtClean="0"/>
+              <a:rPr lang="en-US"/>
               <a:t>Fourth level</a:t>
             </a:r>
           </a:p>
           <a:p>
             <a:pPr lvl="4"/>
             <a:r>
-              <a:rPr lang="en-US" smtClean="0"/>
+              <a:rPr lang="en-US"/>
               <a:t>Fifth level</a:t>
             </a:r>
             <a:endParaRPr lang="en-US" dirty="0"/>
@@ -4275,7 +4280,7 @@
           <a:p>
             <a:pPr lvl="0"/>
             <a:r>
-              <a:rPr lang="en-US" smtClean="0"/>
+              <a:rPr lang="en-US"/>
               <a:t>Edit Master text styles</a:t>
             </a:r>
           </a:p>
@@ -4298,7 +4303,7 @@
           <a:p>
             <a:fld id="{F8AB857C-D771-4CE8-B8F4-D5103B1099A4}" type="datetimeFigureOut">
               <a:rPr lang="bg-BG" smtClean="0"/>
-              <a:t>11.5.2025 г.</a:t>
+              <a:t>12.5.2025 г.</a:t>
             </a:fld>
             <a:endParaRPr lang="bg-BG"/>
           </a:p>
@@ -4403,7 +4408,7 @@
           </a:lstStyle>
           <a:p>
             <a:r>
-              <a:rPr lang="en-US" smtClean="0"/>
+              <a:rPr lang="en-US"/>
               <a:t>Click to edit Master title style</a:t>
             </a:r>
             <a:endParaRPr lang="en-US" dirty="0"/>
@@ -4470,7 +4475,7 @@
           </a:lstStyle>
           <a:p>
             <a:r>
-              <a:rPr lang="en-US" smtClean="0"/>
+              <a:rPr lang="en-US"/>
               <a:t>Click icon to add picture</a:t>
             </a:r>
             <a:endParaRPr lang="en-US" dirty="0"/>
@@ -4538,7 +4543,7 @@
           <a:p>
             <a:pPr lvl="0"/>
             <a:r>
-              <a:rPr lang="en-US" smtClean="0"/>
+              <a:rPr lang="en-US"/>
               <a:t>Edit Master text styles</a:t>
             </a:r>
           </a:p>
@@ -4561,7 +4566,7 @@
           <a:p>
             <a:fld id="{F8AB857C-D771-4CE8-B8F4-D5103B1099A4}" type="datetimeFigureOut">
               <a:rPr lang="bg-BG" smtClean="0"/>
-              <a:t>11.5.2025 г.</a:t>
+              <a:t>12.5.2025 г.</a:t>
             </a:fld>
             <a:endParaRPr lang="bg-BG"/>
           </a:p>
@@ -5200,7 +5205,7 @@
           <a:lstStyle/>
           <a:p>
             <a:r>
-              <a:rPr lang="en-US" smtClean="0"/>
+              <a:rPr lang="en-US"/>
               <a:t>Click to edit Master title style</a:t>
             </a:r>
             <a:endParaRPr lang="en-US" dirty="0"/>
@@ -5234,35 +5239,35 @@
           <a:p>
             <a:pPr lvl="0"/>
             <a:r>
-              <a:rPr lang="en-US" smtClean="0"/>
+              <a:rPr lang="en-US"/>
               <a:t>Edit Master text styles</a:t>
             </a:r>
           </a:p>
           <a:p>
             <a:pPr lvl="1"/>
             <a:r>
-              <a:rPr lang="en-US" smtClean="0"/>
+              <a:rPr lang="en-US"/>
               <a:t>Second level</a:t>
             </a:r>
           </a:p>
           <a:p>
             <a:pPr lvl="2"/>
             <a:r>
-              <a:rPr lang="en-US" smtClean="0"/>
+              <a:rPr lang="en-US"/>
               <a:t>Third level</a:t>
             </a:r>
           </a:p>
           <a:p>
             <a:pPr lvl="3"/>
             <a:r>
-              <a:rPr lang="en-US" smtClean="0"/>
+              <a:rPr lang="en-US"/>
               <a:t>Fourth level</a:t>
             </a:r>
           </a:p>
           <a:p>
             <a:pPr lvl="4"/>
             <a:r>
-              <a:rPr lang="en-US" smtClean="0"/>
+              <a:rPr lang="en-US"/>
               <a:t>Fifth level</a:t>
             </a:r>
             <a:endParaRPr lang="en-US" dirty="0"/>
@@ -5304,7 +5309,7 @@
           <a:p>
             <a:fld id="{F8AB857C-D771-4CE8-B8F4-D5103B1099A4}" type="datetimeFigureOut">
               <a:rPr lang="bg-BG" smtClean="0"/>
-              <a:t>11.5.2025 г.</a:t>
+              <a:t>12.5.2025 г.</a:t>
             </a:fld>
             <a:endParaRPr lang="bg-BG"/>
           </a:p>
@@ -5852,19 +5857,19 @@
           <a:p>
             <a:pPr algn="l"/>
             <a:r>
-              <a:rPr lang="en-US" b="1" dirty="0" smtClean="0">
+              <a:rPr lang="en-US" b="1" dirty="0">
                 <a:latin typeface="Century" panose="02040604050505020304" pitchFamily="18" charset="0"/>
               </a:rPr>
               <a:t>Road</a:t>
             </a:r>
             <a:r>
-              <a:rPr lang="en-US" dirty="0" smtClean="0">
+              <a:rPr lang="en-US" dirty="0">
                 <a:latin typeface="Century" panose="02040604050505020304" pitchFamily="18" charset="0"/>
               </a:rPr>
               <a:t> </a:t>
             </a:r>
             <a:r>
-              <a:rPr lang="en-US" b="1" dirty="0" smtClean="0">
+              <a:rPr lang="en-US" b="1" dirty="0">
                 <a:latin typeface="Century" panose="02040604050505020304" pitchFamily="18" charset="0"/>
               </a:rPr>
               <a:t>Code</a:t>
@@ -5872,45 +5877,6 @@
             <a:endParaRPr lang="bg-BG" b="1" dirty="0">
               <a:latin typeface="Century" panose="02040604050505020304" pitchFamily="18" charset="0"/>
             </a:endParaRPr>
-          </a:p>
-        </p:txBody>
-      </p:sp>
-      <p:sp>
-        <p:nvSpPr>
-          <p:cNvPr id="3" name="Subtitle 2"/>
-          <p:cNvSpPr>
-            <a:spLocks noGrp="1"/>
-          </p:cNvSpPr>
-          <p:nvPr>
-            <p:ph type="subTitle" idx="1"/>
-          </p:nvPr>
-        </p:nvSpPr>
-        <p:spPr>
-          <a:xfrm>
-            <a:off x="726394" y="3905430"/>
-            <a:ext cx="4084888" cy="2952570"/>
-          </a:xfrm>
-        </p:spPr>
-        <p:txBody>
-          <a:bodyPr/>
-          <a:lstStyle/>
-          <a:p>
-            <a:pPr algn="l"/>
-            <a:r>
-              <a:rPr lang="en-US" dirty="0" smtClean="0"/>
-              <a:t>Your </a:t>
-            </a:r>
-            <a:r>
-              <a:rPr lang="en-US" dirty="0" smtClean="0">
-                <a:latin typeface="Montserrat"/>
-              </a:rPr>
-              <a:t>Journey</a:t>
-            </a:r>
-            <a:r>
-              <a:rPr lang="en-US" dirty="0" smtClean="0"/>
-              <a:t> Starts Here</a:t>
-            </a:r>
-            <a:endParaRPr lang="bg-BG" dirty="0"/>
           </a:p>
         </p:txBody>
       </p:sp>
@@ -5996,7 +5962,7 @@
           <a:p>
             <a:pPr algn="ctr"/>
             <a:r>
-              <a:rPr lang="en-US" dirty="0" smtClean="0">
+              <a:rPr lang="en-US" dirty="0">
                 <a:latin typeface="Cambria Bold" panose="02040803050406030204" pitchFamily="18" charset="0"/>
               </a:rPr>
               <a:t>OUR TEAM</a:t>
@@ -6100,15 +6066,15 @@
           <a:lstStyle/>
           <a:p>
             <a:r>
-              <a:rPr lang="en-US" b="1" dirty="0" smtClean="0"/>
+              <a:rPr lang="en-US" b="1" dirty="0"/>
               <a:t>Denis </a:t>
             </a:r>
             <a:r>
-              <a:rPr lang="en-US" b="1" dirty="0" err="1" smtClean="0"/>
+              <a:rPr lang="en-US" b="1" dirty="0" err="1"/>
               <a:t>Zlatinov</a:t>
             </a:r>
             <a:r>
-              <a:rPr lang="en-US" b="1" dirty="0" smtClean="0"/>
+              <a:rPr lang="en-US" b="1" dirty="0"/>
               <a:t> Paspalov</a:t>
             </a:r>
             <a:endParaRPr lang="bg-BG" b="1" dirty="0"/>
@@ -6138,23 +6104,23 @@
           <a:lstStyle/>
           <a:p>
             <a:r>
-              <a:rPr lang="en-US" b="1" dirty="0" err="1" smtClean="0"/>
+              <a:rPr lang="en-US" b="1" dirty="0" err="1"/>
               <a:t>Vasilen</a:t>
             </a:r>
             <a:r>
-              <a:rPr lang="en-US" b="1" dirty="0" smtClean="0"/>
+              <a:rPr lang="en-US" b="1" dirty="0"/>
               <a:t> </a:t>
             </a:r>
             <a:r>
-              <a:rPr lang="en-US" b="1" dirty="0" err="1" smtClean="0"/>
+              <a:rPr lang="en-US" b="1" dirty="0" err="1"/>
               <a:t>Zlatinov</a:t>
             </a:r>
             <a:r>
-              <a:rPr lang="en-US" b="1" dirty="0" smtClean="0"/>
+              <a:rPr lang="en-US" b="1" dirty="0"/>
               <a:t> </a:t>
             </a:r>
             <a:r>
-              <a:rPr lang="en-US" b="1" dirty="0" err="1" smtClean="0"/>
+              <a:rPr lang="en-US" b="1" dirty="0" err="1"/>
               <a:t>Gospodinov</a:t>
             </a:r>
             <a:endParaRPr lang="bg-BG" b="1" dirty="0"/>
@@ -6187,19 +6153,19 @@
           <a:lstStyle/>
           <a:p>
             <a:r>
-              <a:rPr lang="en-US" b="1" dirty="0" smtClean="0"/>
+              <a:rPr lang="en-US" b="1" dirty="0"/>
               <a:t>Miroslav </a:t>
             </a:r>
             <a:r>
-              <a:rPr lang="en-US" b="1" dirty="0" err="1" smtClean="0"/>
+              <a:rPr lang="en-US" b="1" dirty="0" err="1"/>
               <a:t>Georgiev</a:t>
             </a:r>
             <a:r>
-              <a:rPr lang="en-US" b="1" dirty="0" smtClean="0"/>
+              <a:rPr lang="en-US" b="1" dirty="0"/>
               <a:t> </a:t>
             </a:r>
             <a:r>
-              <a:rPr lang="en-US" b="1" dirty="0" err="1" smtClean="0"/>
+              <a:rPr lang="en-US" b="1" dirty="0" err="1"/>
               <a:t>Iliev</a:t>
             </a:r>
             <a:endParaRPr lang="bg-BG" b="1" dirty="0"/>
@@ -6232,80 +6198,88 @@
           <a:lstStyle/>
           <a:p>
             <a:r>
-              <a:rPr lang="en-US" b="1" dirty="0" smtClean="0"/>
+              <a:rPr lang="en-US" b="1" dirty="0"/>
               <a:t>Loris</a:t>
             </a:r>
             <a:r>
-              <a:rPr lang="bg-BG" b="1" dirty="0" smtClean="0"/>
+              <a:rPr lang="bg-BG" b="1" dirty="0"/>
               <a:t> </a:t>
             </a:r>
             <a:r>
-              <a:rPr lang="en-US" b="1" dirty="0" err="1" smtClean="0"/>
+              <a:rPr lang="en-US" b="1" dirty="0" err="1"/>
               <a:t>Onik</a:t>
             </a:r>
-            <a:endParaRPr lang="en-US" b="1" dirty="0" smtClean="0"/>
-          </a:p>
-          <a:p>
-            <a:r>
-              <a:rPr lang="en-US" b="1" dirty="0" err="1" smtClean="0"/>
-              <a:t>Zadikqn</a:t>
-            </a:r>
-            <a:endParaRPr lang="bg-BG" b="1" dirty="0" smtClean="0"/>
+            <a:endParaRPr lang="en-US" b="1" dirty="0"/>
+          </a:p>
+          <a:p>
+            <a:r>
+              <a:rPr lang="en-US" b="1" dirty="0" err="1"/>
+              <a:t>Zadikyan</a:t>
+            </a:r>
+            <a:endParaRPr lang="bg-BG" b="1" dirty="0"/>
           </a:p>
           <a:p>
             <a:endParaRPr lang="bg-BG" dirty="0"/>
           </a:p>
         </p:txBody>
       </p:sp>
-      <p:pic>
-        <p:nvPicPr>
-          <p:cNvPr id="1028" name="Picture 4" descr="https://cdn.discordapp.com/attachments/1364306906214305944/1371131661546160249/DC59AAB7-0901-42DA-99BC-8787F639DF7A.jpg?ex=6822055e&amp;is=6820b3de&amp;hm=8c423b7de0901513b087dd218aa9c744be8fd8ae0487020858c807f9c90c3d9b&amp;"/>
-          <p:cNvPicPr>
-            <a:picLocks noChangeAspect="1" noChangeArrowheads="1"/>
-          </p:cNvPicPr>
+      <p:sp>
+        <p:nvSpPr>
+          <p:cNvPr id="15" name="TextBox 14"/>
+          <p:cNvSpPr txBox="1"/>
           <p:nvPr/>
-        </p:nvPicPr>
-        <p:blipFill rotWithShape="1">
-          <a:blip r:embed="rId4" cstate="print">
-            <a:extLst>
-              <a:ext uri="{28A0092B-C50C-407E-A947-70E740481C1C}">
-                <a14:useLocalDpi xmlns:a14="http://schemas.microsoft.com/office/drawing/2010/main" val="0"/>
-              </a:ext>
-            </a:extLst>
-          </a:blip>
-          <a:srcRect l="14406" r="19817" b="15645"/>
-          <a:stretch/>
-        </p:blipFill>
-        <p:spPr bwMode="auto">
-          <a:xfrm>
-            <a:off x="5914508" y="2038174"/>
-            <a:ext cx="1613134" cy="2071727"/>
+        </p:nvSpPr>
+        <p:spPr>
+          <a:xfrm>
+            <a:off x="3112539" y="3245903"/>
+            <a:ext cx="2243087" cy="369332"/>
           </a:xfrm>
           <a:prstGeom prst="rect">
             <a:avLst/>
           </a:prstGeom>
           <a:noFill/>
-          <a:extLst>
-            <a:ext uri="{909E8E84-426E-40DD-AFC4-6F175D3DCCD1}">
-              <a14:hiddenFill xmlns:a14="http://schemas.microsoft.com/office/drawing/2010/main">
-                <a:solidFill>
-                  <a:srgbClr val="FFFFFF"/>
-                </a:solidFill>
-              </a14:hiddenFill>
-            </a:ext>
-          </a:extLst>
-        </p:spPr>
-      </p:pic>
-      <p:sp>
-        <p:nvSpPr>
-          <p:cNvPr id="15" name="TextBox 14"/>
+        </p:spPr>
+        <p:txBody>
+          <a:bodyPr wrap="square" rtlCol="0">
+            <a:spAutoFit/>
+          </a:bodyPr>
+          <a:lstStyle/>
+          <a:p>
+            <a:r>
+              <a:rPr lang="en-US" dirty="0">
+                <a:latin typeface="Times New Roman" panose="02020603050405020304" pitchFamily="18" charset="0"/>
+                <a:cs typeface="Times New Roman" panose="02020603050405020304" pitchFamily="18" charset="0"/>
+              </a:rPr>
+              <a:t>Scrum</a:t>
+            </a:r>
+            <a:r>
+              <a:rPr lang="en-US" dirty="0"/>
+              <a:t> </a:t>
+            </a:r>
+            <a:r>
+              <a:rPr lang="en-US" dirty="0">
+                <a:latin typeface="Times New Roman" panose="02020603050405020304" pitchFamily="18" charset="0"/>
+                <a:cs typeface="Times New Roman" panose="02020603050405020304" pitchFamily="18" charset="0"/>
+              </a:rPr>
+              <a:t>Trainer</a:t>
+            </a:r>
+            <a:endParaRPr lang="bg-BG" dirty="0">
+              <a:latin typeface="Times New Roman" panose="02020603050405020304" pitchFamily="18" charset="0"/>
+              <a:cs typeface="Times New Roman" panose="02020603050405020304" pitchFamily="18" charset="0"/>
+            </a:endParaRPr>
+          </a:p>
+        </p:txBody>
+      </p:sp>
+      <p:sp>
+        <p:nvSpPr>
+          <p:cNvPr id="16" name="TextBox 15"/>
           <p:cNvSpPr txBox="1"/>
           <p:nvPr/>
         </p:nvSpPr>
         <p:spPr>
           <a:xfrm>
-            <a:off x="3112539" y="3245903"/>
-            <a:ext cx="2243087" cy="369332"/>
+            <a:off x="3112539" y="5864337"/>
+            <a:ext cx="2222525" cy="369332"/>
           </a:xfrm>
           <a:prstGeom prst="rect">
             <a:avLst/>
@@ -6319,22 +6293,77 @@
           <a:lstStyle/>
           <a:p>
             <a:r>
-              <a:rPr lang="en-US" dirty="0" smtClean="0">
+              <a:rPr lang="en-US" dirty="0">
                 <a:latin typeface="Times New Roman" panose="02020603050405020304" pitchFamily="18" charset="0"/>
                 <a:cs typeface="Times New Roman" panose="02020603050405020304" pitchFamily="18" charset="0"/>
               </a:rPr>
-              <a:t>Scrum</a:t>
-            </a:r>
-            <a:r>
-              <a:rPr lang="en-US" dirty="0" smtClean="0"/>
-              <a:t> </a:t>
-            </a:r>
-            <a:r>
-              <a:rPr lang="en-US" dirty="0" smtClean="0">
+              <a:t>CSS Developer</a:t>
+            </a:r>
+            <a:endParaRPr lang="bg-BG" dirty="0"/>
+          </a:p>
+        </p:txBody>
+      </p:sp>
+      <p:sp>
+        <p:nvSpPr>
+          <p:cNvPr id="17" name="TextBox 16"/>
+          <p:cNvSpPr txBox="1"/>
+          <p:nvPr/>
+        </p:nvSpPr>
+        <p:spPr>
+          <a:xfrm>
+            <a:off x="7658082" y="3245903"/>
+            <a:ext cx="2127903" cy="369332"/>
+          </a:xfrm>
+          <a:prstGeom prst="rect">
+            <a:avLst/>
+          </a:prstGeom>
+          <a:noFill/>
+        </p:spPr>
+        <p:txBody>
+          <a:bodyPr wrap="square" rtlCol="0">
+            <a:spAutoFit/>
+          </a:bodyPr>
+          <a:lstStyle/>
+          <a:p>
+            <a:r>
+              <a:rPr lang="en-US" dirty="0">
                 <a:latin typeface="Times New Roman" panose="02020603050405020304" pitchFamily="18" charset="0"/>
                 <a:cs typeface="Times New Roman" panose="02020603050405020304" pitchFamily="18" charset="0"/>
               </a:rPr>
-              <a:t>Trainer</a:t>
+              <a:t>HTML Developer</a:t>
+            </a:r>
+            <a:endParaRPr lang="bg-BG" dirty="0"/>
+          </a:p>
+        </p:txBody>
+      </p:sp>
+      <p:sp>
+        <p:nvSpPr>
+          <p:cNvPr id="18" name="TextBox 17"/>
+          <p:cNvSpPr txBox="1"/>
+          <p:nvPr/>
+        </p:nvSpPr>
+        <p:spPr>
+          <a:xfrm>
+            <a:off x="7658082" y="5864337"/>
+            <a:ext cx="2127902" cy="369332"/>
+          </a:xfrm>
+          <a:prstGeom prst="rect">
+            <a:avLst/>
+          </a:prstGeom>
+          <a:noFill/>
+        </p:spPr>
+        <p:txBody>
+          <a:bodyPr wrap="square" rtlCol="0">
+            <a:spAutoFit/>
+          </a:bodyPr>
+          <a:lstStyle/>
+          <a:p>
+            <a:r>
+              <a:rPr lang="en-US" dirty="0">
+                <a:latin typeface="Times New Roman" panose="02020603050405020304" pitchFamily="18" charset="0"/>
+                <a:cs typeface="Times New Roman" panose="02020603050405020304" pitchFamily="18" charset="0"/>
+              </a:rPr>
+              <a:t>Designer</a:t>
             </a:r>
             <a:endParaRPr lang="bg-BG" dirty="0">
               <a:latin typeface="Times New Roman" panose="02020603050405020304" pitchFamily="18" charset="0"/>
@@ -6343,118 +6372,33 @@
           </a:p>
         </p:txBody>
       </p:sp>
-      <p:sp>
-        <p:nvSpPr>
-          <p:cNvPr id="16" name="TextBox 15"/>
-          <p:cNvSpPr txBox="1"/>
+      <p:pic>
+        <p:nvPicPr>
+          <p:cNvPr id="19" name="Picture 18"/>
+          <p:cNvPicPr>
+            <a:picLocks/>
+          </p:cNvPicPr>
           <p:nvPr/>
-        </p:nvSpPr>
-        <p:spPr>
-          <a:xfrm>
-            <a:off x="3112539" y="5864337"/>
-            <a:ext cx="2222525" cy="369332"/>
+        </p:nvPicPr>
+        <p:blipFill>
+          <a:blip r:embed="rId4"/>
+          <a:stretch>
+            <a:fillRect/>
+          </a:stretch>
+        </p:blipFill>
+        <p:spPr>
+          <a:xfrm>
+            <a:off x="5914508" y="4835994"/>
+            <a:ext cx="1628545" cy="1627632"/>
           </a:xfrm>
           <a:prstGeom prst="rect">
             <a:avLst/>
           </a:prstGeom>
-          <a:noFill/>
-        </p:spPr>
-        <p:txBody>
-          <a:bodyPr wrap="square" rtlCol="0">
-            <a:spAutoFit/>
-          </a:bodyPr>
-          <a:lstStyle/>
-          <a:p>
-            <a:r>
-              <a:rPr lang="en-US" dirty="0" smtClean="0">
-                <a:latin typeface="Times New Roman" panose="02020603050405020304" pitchFamily="18" charset="0"/>
-                <a:cs typeface="Times New Roman" panose="02020603050405020304" pitchFamily="18" charset="0"/>
-              </a:rPr>
-              <a:t>CSS Develope</a:t>
-            </a:r>
-            <a:r>
-              <a:rPr lang="en-US" dirty="0">
-                <a:latin typeface="Times New Roman" panose="02020603050405020304" pitchFamily="18" charset="0"/>
-                <a:cs typeface="Times New Roman" panose="02020603050405020304" pitchFamily="18" charset="0"/>
-              </a:rPr>
-              <a:t>r</a:t>
-            </a:r>
-            <a:endParaRPr lang="bg-BG" dirty="0"/>
-          </a:p>
-        </p:txBody>
-      </p:sp>
-      <p:sp>
-        <p:nvSpPr>
-          <p:cNvPr id="17" name="TextBox 16"/>
-          <p:cNvSpPr txBox="1"/>
-          <p:nvPr/>
-        </p:nvSpPr>
-        <p:spPr>
-          <a:xfrm>
-            <a:off x="7658082" y="3245903"/>
-            <a:ext cx="2127903" cy="369332"/>
-          </a:xfrm>
-          <a:prstGeom prst="rect">
-            <a:avLst/>
-          </a:prstGeom>
-          <a:noFill/>
-        </p:spPr>
-        <p:txBody>
-          <a:bodyPr wrap="square" rtlCol="0">
-            <a:spAutoFit/>
-          </a:bodyPr>
-          <a:lstStyle/>
-          <a:p>
-            <a:r>
-              <a:rPr lang="en-US" dirty="0" smtClean="0">
-                <a:latin typeface="Times New Roman" panose="02020603050405020304" pitchFamily="18" charset="0"/>
-                <a:cs typeface="Times New Roman" panose="02020603050405020304" pitchFamily="18" charset="0"/>
-              </a:rPr>
-              <a:t>HTML Developer</a:t>
-            </a:r>
-            <a:endParaRPr lang="bg-BG" dirty="0"/>
-          </a:p>
-        </p:txBody>
-      </p:sp>
-      <p:sp>
-        <p:nvSpPr>
-          <p:cNvPr id="18" name="TextBox 17"/>
-          <p:cNvSpPr txBox="1"/>
-          <p:nvPr/>
-        </p:nvSpPr>
-        <p:spPr>
-          <a:xfrm>
-            <a:off x="7658082" y="5864337"/>
-            <a:ext cx="2127902" cy="369332"/>
-          </a:xfrm>
-          <a:prstGeom prst="rect">
-            <a:avLst/>
-          </a:prstGeom>
-          <a:noFill/>
-        </p:spPr>
-        <p:txBody>
-          <a:bodyPr wrap="square" rtlCol="0">
-            <a:spAutoFit/>
-          </a:bodyPr>
-          <a:lstStyle/>
-          <a:p>
-            <a:r>
-              <a:rPr lang="en-US" dirty="0" smtClean="0">
-                <a:latin typeface="Times New Roman" panose="02020603050405020304" pitchFamily="18" charset="0"/>
-                <a:cs typeface="Times New Roman" panose="02020603050405020304" pitchFamily="18" charset="0"/>
-              </a:rPr>
-              <a:t>Designer</a:t>
-            </a:r>
-            <a:endParaRPr lang="bg-BG" dirty="0">
-              <a:latin typeface="Times New Roman" panose="02020603050405020304" pitchFamily="18" charset="0"/>
-              <a:cs typeface="Times New Roman" panose="02020603050405020304" pitchFamily="18" charset="0"/>
-            </a:endParaRPr>
-          </a:p>
-        </p:txBody>
-      </p:sp>
+        </p:spPr>
+      </p:pic>
       <p:pic>
         <p:nvPicPr>
-          <p:cNvPr id="19" name="Picture 18"/>
+          <p:cNvPr id="20" name="Picture 19"/>
           <p:cNvPicPr>
             <a:picLocks noChangeAspect="1"/>
           </p:cNvPicPr>
@@ -6468,8 +6412,8 @@
         </p:blipFill>
         <p:spPr>
           <a:xfrm>
-            <a:off x="5914508" y="4614299"/>
-            <a:ext cx="1613134" cy="2071727"/>
+            <a:off x="456241" y="154051"/>
+            <a:ext cx="3476435" cy="606770"/>
           </a:xfrm>
           <a:prstGeom prst="rect">
             <a:avLst/>
@@ -6478,26 +6422,49 @@
       </p:pic>
       <p:pic>
         <p:nvPicPr>
-          <p:cNvPr id="20" name="Picture 19"/>
+          <p:cNvPr id="3" name="Picture 2">
+            <a:extLst>
+              <a:ext uri="{FF2B5EF4-FFF2-40B4-BE49-F238E27FC236}">
+                <a16:creationId xmlns:a16="http://schemas.microsoft.com/office/drawing/2014/main" id="{F6B98602-6A77-BB2F-12D1-A08C8180DF11}"/>
+              </a:ext>
+            </a:extLst>
+          </p:cNvPr>
           <p:cNvPicPr>
-            <a:picLocks noChangeAspect="1"/>
+            <a:picLocks noChangeAspect="1" noChangeArrowheads="1"/>
           </p:cNvPicPr>
           <p:nvPr/>
         </p:nvPicPr>
         <p:blipFill>
-          <a:blip r:embed="rId6"/>
+          <a:blip r:embed="rId6" cstate="print">
+            <a:extLst>
+              <a:ext uri="{28A0092B-C50C-407E-A947-70E740481C1C}">
+                <a14:useLocalDpi xmlns:a14="http://schemas.microsoft.com/office/drawing/2010/main" val="0"/>
+              </a:ext>
+            </a:extLst>
+          </a:blip>
+          <a:srcRect/>
           <a:stretch>
             <a:fillRect/>
           </a:stretch>
         </p:blipFill>
-        <p:spPr>
-          <a:xfrm>
-            <a:off x="8521861" y="98347"/>
-            <a:ext cx="3476435" cy="606770"/>
+        <p:spPr bwMode="auto">
+          <a:xfrm>
+            <a:off x="5988728" y="2038174"/>
+            <a:ext cx="1554325" cy="2072433"/>
           </a:xfrm>
           <a:prstGeom prst="rect">
             <a:avLst/>
           </a:prstGeom>
+          <a:noFill/>
+          <a:extLst>
+            <a:ext uri="{909E8E84-426E-40DD-AFC4-6F175D3DCCD1}">
+              <a14:hiddenFill xmlns:a14="http://schemas.microsoft.com/office/drawing/2010/main">
+                <a:solidFill>
+                  <a:srgbClr val="FFFFFF"/>
+                </a:solidFill>
+              </a14:hiddenFill>
+            </a:ext>
+          </a:extLst>
         </p:spPr>
       </p:pic>
     </p:spTree>
@@ -6552,7 +6519,7 @@
           <a:p>
             <a:pPr algn="ctr"/>
             <a:r>
-              <a:rPr lang="en-US" b="1" dirty="0" smtClean="0">
+              <a:rPr lang="en-US" b="1" dirty="0">
                 <a:latin typeface="Cambria Bold" panose="02040803050406030204" pitchFamily="18" charset="0"/>
               </a:rPr>
               <a:t>STAGES</a:t>
@@ -6867,10 +6834,18 @@
           <a:p>
             <a:pPr algn="ctr"/>
             <a:r>
-              <a:rPr lang="en-US" dirty="0" smtClean="0"/>
+              <a:rPr lang="en-US" dirty="0">
+                <a:solidFill>
+                  <a:schemeClr val="bg1"/>
+                </a:solidFill>
+              </a:rPr>
               <a:t>Stage 1</a:t>
             </a:r>
-            <a:endParaRPr lang="bg-BG" dirty="0"/>
+            <a:endParaRPr lang="bg-BG" dirty="0">
+              <a:solidFill>
+                <a:schemeClr val="bg1"/>
+              </a:solidFill>
+            </a:endParaRPr>
           </a:p>
         </p:txBody>
       </p:sp>
@@ -6898,10 +6873,18 @@
           <a:p>
             <a:pPr algn="ctr"/>
             <a:r>
-              <a:rPr lang="en-US" dirty="0" smtClean="0"/>
+              <a:rPr lang="en-US" dirty="0">
+                <a:solidFill>
+                  <a:schemeClr val="bg1"/>
+                </a:solidFill>
+              </a:rPr>
               <a:t>Stage 2</a:t>
             </a:r>
-            <a:endParaRPr lang="bg-BG" dirty="0"/>
+            <a:endParaRPr lang="bg-BG" dirty="0">
+              <a:solidFill>
+                <a:schemeClr val="bg1"/>
+              </a:solidFill>
+            </a:endParaRPr>
           </a:p>
         </p:txBody>
       </p:sp>
@@ -6929,10 +6912,18 @@
           <a:p>
             <a:pPr algn="ctr"/>
             <a:r>
-              <a:rPr lang="en-US" dirty="0" smtClean="0"/>
+              <a:rPr lang="en-US" dirty="0">
+                <a:solidFill>
+                  <a:schemeClr val="bg1"/>
+                </a:solidFill>
+              </a:rPr>
               <a:t>Stage 3</a:t>
             </a:r>
-            <a:endParaRPr lang="bg-BG" dirty="0"/>
+            <a:endParaRPr lang="bg-BG" dirty="0">
+              <a:solidFill>
+                <a:schemeClr val="bg1"/>
+              </a:solidFill>
+            </a:endParaRPr>
           </a:p>
         </p:txBody>
       </p:sp>
@@ -6960,10 +6951,18 @@
           <a:p>
             <a:pPr algn="ctr"/>
             <a:r>
-              <a:rPr lang="en-US" dirty="0" smtClean="0"/>
+              <a:rPr lang="en-US" dirty="0">
+                <a:solidFill>
+                  <a:schemeClr val="bg1"/>
+                </a:solidFill>
+              </a:rPr>
               <a:t>Stage 4</a:t>
             </a:r>
-            <a:endParaRPr lang="bg-BG" dirty="0"/>
+            <a:endParaRPr lang="bg-BG" dirty="0">
+              <a:solidFill>
+                <a:schemeClr val="bg1"/>
+              </a:solidFill>
+            </a:endParaRPr>
           </a:p>
         </p:txBody>
       </p:sp>
@@ -7063,7 +7062,7 @@
           <a:p>
             <a:pPr algn="ctr"/>
             <a:r>
-              <a:rPr lang="en-US" dirty="0" smtClean="0">
+              <a:rPr lang="en-US" dirty="0">
                 <a:latin typeface="Cambria Bold" panose="02040803050406030204" pitchFamily="18" charset="0"/>
               </a:rPr>
               <a:t>First half of week 3</a:t>
@@ -7098,7 +7097,7 @@
           <a:p>
             <a:pPr algn="ctr"/>
             <a:r>
-              <a:rPr lang="en-US" dirty="0" smtClean="0">
+              <a:rPr lang="en-US" dirty="0">
                 <a:latin typeface="Cambria Bold" panose="02040803050406030204" pitchFamily="18" charset="0"/>
               </a:rPr>
               <a:t>Second half of week 3</a:t>
@@ -7133,7 +7132,7 @@
           <a:p>
             <a:pPr algn="ctr"/>
             <a:r>
-              <a:rPr lang="en-US" dirty="0" smtClean="0">
+              <a:rPr lang="en-US" dirty="0">
                 <a:latin typeface="Times New Roman" panose="02020603050405020304" pitchFamily="18" charset="0"/>
                 <a:cs typeface="Times New Roman" panose="02020603050405020304" pitchFamily="18" charset="0"/>
               </a:rPr>
@@ -7170,7 +7169,7 @@
           <a:p>
             <a:pPr algn="ctr"/>
             <a:r>
-              <a:rPr lang="en-US" dirty="0" smtClean="0">
+              <a:rPr lang="en-US" dirty="0">
                 <a:latin typeface="Times New Roman" panose="02020603050405020304" pitchFamily="18" charset="0"/>
                 <a:cs typeface="Times New Roman" panose="02020603050405020304" pitchFamily="18" charset="0"/>
               </a:rPr>
@@ -7207,7 +7206,7 @@
           <a:p>
             <a:pPr algn="ctr"/>
             <a:r>
-              <a:rPr lang="en-US" dirty="0" smtClean="0">
+              <a:rPr lang="en-US" dirty="0">
                 <a:latin typeface="Times New Roman" panose="02020603050405020304" pitchFamily="18" charset="0"/>
                 <a:cs typeface="Times New Roman" panose="02020603050405020304" pitchFamily="18" charset="0"/>
               </a:rPr>
@@ -7217,7 +7216,7 @@
           <a:p>
             <a:pPr algn="ctr"/>
             <a:r>
-              <a:rPr lang="en-US" dirty="0" smtClean="0">
+              <a:rPr lang="en-US" dirty="0">
                 <a:latin typeface="Times New Roman" panose="02020603050405020304" pitchFamily="18" charset="0"/>
                 <a:cs typeface="Times New Roman" panose="02020603050405020304" pitchFamily="18" charset="0"/>
               </a:rPr>
@@ -7254,7 +7253,7 @@
           <a:p>
             <a:pPr algn="ctr"/>
             <a:r>
-              <a:rPr lang="en-US" dirty="0" smtClean="0">
+              <a:rPr lang="en-US" dirty="0">
                 <a:latin typeface="Times New Roman" panose="02020603050405020304" pitchFamily="18" charset="0"/>
                 <a:cs typeface="Times New Roman" panose="02020603050405020304" pitchFamily="18" charset="0"/>
               </a:rPr>
@@ -7267,30 +7266,6 @@
           </a:p>
         </p:txBody>
       </p:sp>
-      <p:pic>
-        <p:nvPicPr>
-          <p:cNvPr id="29" name="Picture 28"/>
-          <p:cNvPicPr>
-            <a:picLocks noChangeAspect="1"/>
-          </p:cNvPicPr>
-          <p:nvPr/>
-        </p:nvPicPr>
-        <p:blipFill>
-          <a:blip r:embed="rId2"/>
-          <a:stretch>
-            <a:fillRect/>
-          </a:stretch>
-        </p:blipFill>
-        <p:spPr>
-          <a:xfrm>
-            <a:off x="8520291" y="111937"/>
-            <a:ext cx="3475021" cy="609653"/>
-          </a:xfrm>
-          <a:prstGeom prst="rect">
-            <a:avLst/>
-          </a:prstGeom>
-        </p:spPr>
-      </p:pic>
     </p:spTree>
     <p:extLst>
       <p:ext uri="{BB962C8B-B14F-4D97-AF65-F5344CB8AC3E}">
@@ -7576,7 +7551,7 @@
 <file path=ppt/theme/theme1.xml><?xml version="1.0" encoding="utf-8"?>
 <a:theme xmlns:a="http://schemas.openxmlformats.org/drawingml/2006/main" name="Facet">
   <a:themeElements>
-    <a:clrScheme name="Facet">
+    <a:clrScheme name="Custom 2">
       <a:dk1>
         <a:sysClr val="windowText" lastClr="000000"/>
       </a:dk1>
@@ -7590,10 +7565,10 @@
         <a:srgbClr val="EBEBEB"/>
       </a:lt2>
       <a:accent1>
-        <a:srgbClr val="90C226"/>
+        <a:srgbClr val="000000"/>
       </a:accent1>
       <a:accent2>
-        <a:srgbClr val="54A021"/>
+        <a:srgbClr val="000000"/>
       </a:accent2>
       <a:accent3>
         <a:srgbClr val="E6B91E"/>
@@ -7608,10 +7583,10 @@
         <a:srgbClr val="918655"/>
       </a:accent6>
       <a:hlink>
-        <a:srgbClr val="99CA3C"/>
+        <a:srgbClr val="000000"/>
       </a:hlink>
       <a:folHlink>
-        <a:srgbClr val="B9D181"/>
+        <a:srgbClr val="000000"/>
       </a:folHlink>
     </a:clrScheme>
     <a:fontScheme name="Facet">
